--- a/Intro to .net 5.pptx
+++ b/Intro to .net 5.pptx
@@ -11,6 +11,8 @@
     <p:sldId id="259" r:id="rId5"/>
     <p:sldId id="260" r:id="rId6"/>
     <p:sldId id="261" r:id="rId7"/>
+    <p:sldId id="262" r:id="rId8"/>
+    <p:sldId id="263" r:id="rId9"/>
   </p:sldIdLst>
   <p:sldSz cx="12192000" cy="6858000"/>
   <p:notesSz cx="6858000" cy="9144000"/>
@@ -109,6 +111,11 @@
       </a:defRPr>
     </a:lvl9pPr>
   </p:defaultTextStyle>
+  <p:extLst>
+    <p:ext uri="{EFAFB233-063F-42B5-8137-9DF3F51BA10A}">
+      <p15:sldGuideLst xmlns:p15="http://schemas.microsoft.com/office/powerpoint/2012/main"/>
+    </p:ext>
+  </p:extLst>
 </p:presentation>
 </file>
 
@@ -6511,6 +6518,12 @@
           <a:p>
             <a:r>
               <a:rPr lang="en-US" dirty="0"/>
+              <a:t>Json serialization</a:t>
+            </a:r>
+          </a:p>
+          <a:p>
+            <a:r>
+              <a:rPr lang="en-US" dirty="0"/>
               <a:t>Demo</a:t>
             </a:r>
           </a:p>
@@ -6567,7 +6580,10 @@
           <a:bodyPr/>
           <a:lstStyle/>
           <a:p>
-            <a:endParaRPr lang="en-US"/>
+            <a:r>
+              <a:rPr lang="en-US" dirty="0"/>
+              <a:t>GRPC</a:t>
+            </a:r>
           </a:p>
         </p:txBody>
       </p:sp>
@@ -6592,7 +6608,27 @@
           <a:bodyPr/>
           <a:lstStyle/>
           <a:p>
-            <a:endParaRPr lang="en-US"/>
+            <a:r>
+              <a:rPr lang="en-US" dirty="0"/>
+              <a:t>Google RPC </a:t>
+            </a:r>
+          </a:p>
+          <a:p>
+            <a:r>
+              <a:rPr lang="en-US" dirty="0"/>
+              <a:t>Replacement for </a:t>
+            </a:r>
+            <a:r>
+              <a:rPr lang="en-US" dirty="0" err="1"/>
+              <a:t>wcf</a:t>
+            </a:r>
+            <a:endParaRPr lang="en-US" dirty="0"/>
+          </a:p>
+          <a:p>
+            <a:r>
+              <a:rPr lang="en-US" dirty="0"/>
+              <a:t>DEMO</a:t>
+            </a:r>
           </a:p>
         </p:txBody>
       </p:sp>
@@ -6600,6 +6636,215 @@
     <p:extLst>
       <p:ext uri="{BB962C8B-B14F-4D97-AF65-F5344CB8AC3E}">
         <p14:creationId xmlns:p14="http://schemas.microsoft.com/office/powerpoint/2010/main" val="751292675"/>
+      </p:ext>
+    </p:extLst>
+  </p:cSld>
+  <p:clrMapOvr>
+    <a:masterClrMapping/>
+  </p:clrMapOvr>
+</p:sld>
+</file>
+
+<file path=ppt/slides/slide7.xml><?xml version="1.0" encoding="utf-8"?>
+<p:sld xmlns:a="http://schemas.openxmlformats.org/drawingml/2006/main" xmlns:r="http://schemas.openxmlformats.org/officeDocument/2006/relationships" xmlns:p="http://schemas.openxmlformats.org/presentationml/2006/main">
+  <p:cSld>
+    <p:spTree>
+      <p:nvGrpSpPr>
+        <p:cNvPr id="1" name=""/>
+        <p:cNvGrpSpPr/>
+        <p:nvPr/>
+      </p:nvGrpSpPr>
+      <p:grpSpPr>
+        <a:xfrm>
+          <a:off x="0" y="0"/>
+          <a:ext cx="0" cy="0"/>
+          <a:chOff x="0" y="0"/>
+          <a:chExt cx="0" cy="0"/>
+        </a:xfrm>
+      </p:grpSpPr>
+      <p:sp>
+        <p:nvSpPr>
+          <p:cNvPr id="2" name="Title 1">
+            <a:extLst>
+              <a:ext uri="{FF2B5EF4-FFF2-40B4-BE49-F238E27FC236}">
+                <a16:creationId xmlns:a16="http://schemas.microsoft.com/office/drawing/2014/main" id="{13716856-C169-4239-96DC-CE1B5209E1D0}"/>
+              </a:ext>
+            </a:extLst>
+          </p:cNvPr>
+          <p:cNvSpPr>
+            <a:spLocks noGrp="1"/>
+          </p:cNvSpPr>
+          <p:nvPr>
+            <p:ph type="title"/>
+          </p:nvPr>
+        </p:nvSpPr>
+        <p:spPr/>
+        <p:txBody>
+          <a:bodyPr/>
+          <a:lstStyle/>
+          <a:p>
+            <a:r>
+              <a:rPr lang="en-US" dirty="0" err="1"/>
+              <a:t>WebAPI</a:t>
+            </a:r>
+            <a:r>
+              <a:rPr lang="en-US" dirty="0"/>
+              <a:t>	</a:t>
+            </a:r>
+          </a:p>
+        </p:txBody>
+      </p:sp>
+      <p:sp>
+        <p:nvSpPr>
+          <p:cNvPr id="3" name="Content Placeholder 2">
+            <a:extLst>
+              <a:ext uri="{FF2B5EF4-FFF2-40B4-BE49-F238E27FC236}">
+                <a16:creationId xmlns:a16="http://schemas.microsoft.com/office/drawing/2014/main" id="{EC317C96-E832-47F4-ADB9-F893016672B7}"/>
+              </a:ext>
+            </a:extLst>
+          </p:cNvPr>
+          <p:cNvSpPr>
+            <a:spLocks noGrp="1"/>
+          </p:cNvSpPr>
+          <p:nvPr>
+            <p:ph idx="1"/>
+          </p:nvPr>
+        </p:nvSpPr>
+        <p:spPr/>
+        <p:txBody>
+          <a:bodyPr/>
+          <a:lstStyle/>
+          <a:p>
+            <a:r>
+              <a:rPr lang="en-US" dirty="0"/>
+              <a:t>Swagger</a:t>
+            </a:r>
+          </a:p>
+          <a:p>
+            <a:r>
+              <a:rPr lang="en-US" dirty="0"/>
+              <a:t>Add Rest Client</a:t>
+            </a:r>
+          </a:p>
+          <a:p>
+            <a:r>
+              <a:rPr lang="en-US" dirty="0"/>
+              <a:t>Networking changes</a:t>
+            </a:r>
+          </a:p>
+          <a:p>
+            <a:endParaRPr lang="en-US" dirty="0"/>
+          </a:p>
+        </p:txBody>
+      </p:sp>
+    </p:spTree>
+    <p:extLst>
+      <p:ext uri="{BB962C8B-B14F-4D97-AF65-F5344CB8AC3E}">
+        <p14:creationId xmlns:p14="http://schemas.microsoft.com/office/powerpoint/2010/main" val="3482253031"/>
+      </p:ext>
+    </p:extLst>
+  </p:cSld>
+  <p:clrMapOvr>
+    <a:masterClrMapping/>
+  </p:clrMapOvr>
+</p:sld>
+</file>
+
+<file path=ppt/slides/slide8.xml><?xml version="1.0" encoding="utf-8"?>
+<p:sld xmlns:a="http://schemas.openxmlformats.org/drawingml/2006/main" xmlns:r="http://schemas.openxmlformats.org/officeDocument/2006/relationships" xmlns:p="http://schemas.openxmlformats.org/presentationml/2006/main">
+  <p:cSld>
+    <p:spTree>
+      <p:nvGrpSpPr>
+        <p:cNvPr id="1" name=""/>
+        <p:cNvGrpSpPr/>
+        <p:nvPr/>
+      </p:nvGrpSpPr>
+      <p:grpSpPr>
+        <a:xfrm>
+          <a:off x="0" y="0"/>
+          <a:ext cx="0" cy="0"/>
+          <a:chOff x="0" y="0"/>
+          <a:chExt cx="0" cy="0"/>
+        </a:xfrm>
+      </p:grpSpPr>
+      <p:sp>
+        <p:nvSpPr>
+          <p:cNvPr id="2" name="Title 1">
+            <a:extLst>
+              <a:ext uri="{FF2B5EF4-FFF2-40B4-BE49-F238E27FC236}">
+                <a16:creationId xmlns:a16="http://schemas.microsoft.com/office/drawing/2014/main" id="{1F624FEB-7FE1-46F3-8042-6F287D4A1733}"/>
+              </a:ext>
+            </a:extLst>
+          </p:cNvPr>
+          <p:cNvSpPr>
+            <a:spLocks noGrp="1"/>
+          </p:cNvSpPr>
+          <p:nvPr>
+            <p:ph type="title"/>
+          </p:nvPr>
+        </p:nvSpPr>
+        <p:spPr/>
+        <p:txBody>
+          <a:bodyPr/>
+          <a:lstStyle/>
+          <a:p>
+            <a:r>
+              <a:rPr lang="en-US" dirty="0"/>
+              <a:t>MAUI</a:t>
+            </a:r>
+          </a:p>
+        </p:txBody>
+      </p:sp>
+      <p:sp>
+        <p:nvSpPr>
+          <p:cNvPr id="3" name="Content Placeholder 2">
+            <a:extLst>
+              <a:ext uri="{FF2B5EF4-FFF2-40B4-BE49-F238E27FC236}">
+                <a16:creationId xmlns:a16="http://schemas.microsoft.com/office/drawing/2014/main" id="{3CC927AD-341C-464C-873E-D3261FBB310F}"/>
+              </a:ext>
+            </a:extLst>
+          </p:cNvPr>
+          <p:cNvSpPr>
+            <a:spLocks noGrp="1"/>
+          </p:cNvSpPr>
+          <p:nvPr>
+            <p:ph idx="1"/>
+          </p:nvPr>
+        </p:nvSpPr>
+        <p:spPr/>
+        <p:txBody>
+          <a:bodyPr/>
+          <a:lstStyle/>
+          <a:p>
+            <a:r>
+              <a:rPr lang="en-US" dirty="0"/>
+              <a:t>Will be included with </a:t>
+            </a:r>
+            <a:r>
+              <a:rPr lang="en-US" dirty="0" err="1"/>
+              <a:t>.net</a:t>
+            </a:r>
+            <a:r>
+              <a:rPr lang="en-US" dirty="0"/>
+              <a:t> 6</a:t>
+            </a:r>
+          </a:p>
+          <a:p>
+            <a:r>
+              <a:rPr lang="en-US" dirty="0"/>
+              <a:t>Will </a:t>
+            </a:r>
+            <a:r>
+              <a:rPr lang="en-US"/>
+              <a:t>replace Xamarin forms</a:t>
+            </a:r>
+          </a:p>
+        </p:txBody>
+      </p:sp>
+    </p:spTree>
+    <p:extLst>
+      <p:ext uri="{BB962C8B-B14F-4D97-AF65-F5344CB8AC3E}">
+        <p14:creationId xmlns:p14="http://schemas.microsoft.com/office/powerpoint/2010/main" val="360787744"/>
       </p:ext>
     </p:extLst>
   </p:cSld>
